--- a/00_DataScience_Syllabus_V03.pptx
+++ b/00_DataScience_Syllabus_V03.pptx
@@ -4735,7 +4735,7 @@
         <p:spPr>
           <a:xfrm>
             <a:off x="508000" y="1268759"/>
-            <a:ext cx="8352928" cy="3888433"/>
+            <a:ext cx="8352928" cy="3312369"/>
           </a:xfrm>
           <a:ln>
             <a:solidFill>
@@ -4780,7 +4780,7 @@
                   <a:srgbClr val="3C3B37"/>
                 </a:solidFill>
               </a:rPr>
-              <a:t>Part 6: Sc</a:t>
+              <a:t>Part 6: Scikit-Learn</a:t>
             </a:r>
           </a:p>
           <a:p>
